--- a/Fase 2/Evidencias proyecto/Presentacion Final Arte en Masa.pptx
+++ b/Fase 2/Evidencias proyecto/Presentacion Final Arte en Masa.pptx
@@ -256,7 +256,7 @@
   </p:defaultTextStyle>
   <p:extLst>
     <p:ext uri="GoogleSlidesCustomDataVersion2">
-      <go:slidesCustomData xmlns:go="http://customooxmlschemas.google.com/" r:id="rId19" roundtripDataSignature="AMtx7mgWTHaYC2gIzompErbwG3sprCOsdQ=="/>
+      <go:slidesCustomData xmlns:go="http://customooxmlschemas.google.com/" r:id="rId19" roundtripDataSignature="AMtx7mi22N6cfGTyVdCKu3PB5dv6sFmcdg=="/>
     </p:ext>
   </p:extLst>
 </p:presentation>
@@ -792,7 +792,7 @@
   <p:cSld>
     <p:spTree>
       <p:nvGrpSpPr>
-        <p:cNvPr id="172" name="Shape 172"/>
+        <p:cNvPr id="174" name="Shape 174"/>
         <p:cNvGrpSpPr/>
         <p:nvPr/>
       </p:nvGrpSpPr>
@@ -806,7 +806,7 @@
       </p:grpSpPr>
       <p:sp>
         <p:nvSpPr>
-          <p:cNvPr id="173" name="Google Shape;173;p10:notes"/>
+          <p:cNvPr id="175" name="Google Shape;175;p10:notes"/>
           <p:cNvSpPr txBox="1"/>
           <p:nvPr>
             <p:ph idx="1" type="body"/>
@@ -845,7 +845,7 @@
       </p:sp>
       <p:sp>
         <p:nvSpPr>
-          <p:cNvPr id="174" name="Google Shape;174;p10:notes"/>
+          <p:cNvPr id="176" name="Google Shape;176;p10:notes"/>
           <p:cNvSpPr/>
           <p:nvPr>
             <p:ph idx="2" type="sldImg"/>
@@ -891,7 +891,7 @@
   <p:cSld>
     <p:spTree>
       <p:nvGrpSpPr>
-        <p:cNvPr id="181" name="Shape 181"/>
+        <p:cNvPr id="188" name="Shape 188"/>
         <p:cNvGrpSpPr/>
         <p:nvPr/>
       </p:nvGrpSpPr>
@@ -905,7 +905,7 @@
       </p:grpSpPr>
       <p:sp>
         <p:nvSpPr>
-          <p:cNvPr id="182" name="Google Shape;182;p11:notes"/>
+          <p:cNvPr id="189" name="Google Shape;189;p11:notes"/>
           <p:cNvSpPr txBox="1"/>
           <p:nvPr>
             <p:ph idx="1" type="body"/>
@@ -944,7 +944,7 @@
       </p:sp>
       <p:sp>
         <p:nvSpPr>
-          <p:cNvPr id="183" name="Google Shape;183;p11:notes"/>
+          <p:cNvPr id="190" name="Google Shape;190;p11:notes"/>
           <p:cNvSpPr/>
           <p:nvPr>
             <p:ph idx="2" type="sldImg"/>
@@ -990,7 +990,7 @@
   <p:cSld>
     <p:spTree>
       <p:nvGrpSpPr>
-        <p:cNvPr id="187" name="Shape 187"/>
+        <p:cNvPr id="194" name="Shape 194"/>
         <p:cNvGrpSpPr/>
         <p:nvPr/>
       </p:nvGrpSpPr>
@@ -1004,7 +1004,7 @@
       </p:grpSpPr>
       <p:sp>
         <p:nvSpPr>
-          <p:cNvPr id="188" name="Google Shape;188;p12:notes"/>
+          <p:cNvPr id="195" name="Google Shape;195;p12:notes"/>
           <p:cNvSpPr txBox="1"/>
           <p:nvPr>
             <p:ph idx="1" type="body"/>
@@ -1043,7 +1043,7 @@
       </p:sp>
       <p:sp>
         <p:nvSpPr>
-          <p:cNvPr id="189" name="Google Shape;189;p12:notes"/>
+          <p:cNvPr id="196" name="Google Shape;196;p12:notes"/>
           <p:cNvSpPr/>
           <p:nvPr>
             <p:ph idx="2" type="sldImg"/>
@@ -1089,7 +1089,7 @@
   <p:cSld>
     <p:spTree>
       <p:nvGrpSpPr>
-        <p:cNvPr id="195" name="Shape 195"/>
+        <p:cNvPr id="202" name="Shape 202"/>
         <p:cNvGrpSpPr/>
         <p:nvPr/>
       </p:nvGrpSpPr>
@@ -1103,7 +1103,7 @@
       </p:grpSpPr>
       <p:sp>
         <p:nvSpPr>
-          <p:cNvPr id="196" name="Google Shape;196;p13:notes"/>
+          <p:cNvPr id="203" name="Google Shape;203;p13:notes"/>
           <p:cNvSpPr txBox="1"/>
           <p:nvPr>
             <p:ph idx="1" type="body"/>
@@ -1142,7 +1142,7 @@
       </p:sp>
       <p:sp>
         <p:nvSpPr>
-          <p:cNvPr id="197" name="Google Shape;197;p13:notes"/>
+          <p:cNvPr id="204" name="Google Shape;204;p13:notes"/>
           <p:cNvSpPr/>
           <p:nvPr>
             <p:ph idx="2" type="sldImg"/>
@@ -1188,7 +1188,7 @@
   <p:cSld>
     <p:spTree>
       <p:nvGrpSpPr>
-        <p:cNvPr id="202" name="Shape 202"/>
+        <p:cNvPr id="209" name="Shape 209"/>
         <p:cNvGrpSpPr/>
         <p:nvPr/>
       </p:nvGrpSpPr>
@@ -1202,7 +1202,7 @@
       </p:grpSpPr>
       <p:sp>
         <p:nvSpPr>
-          <p:cNvPr id="203" name="Google Shape;203;p14:notes"/>
+          <p:cNvPr id="210" name="Google Shape;210;p14:notes"/>
           <p:cNvSpPr txBox="1"/>
           <p:nvPr>
             <p:ph idx="1" type="body"/>
@@ -1241,7 +1241,7 @@
       </p:sp>
       <p:sp>
         <p:nvSpPr>
-          <p:cNvPr id="204" name="Google Shape;204;p14:notes"/>
+          <p:cNvPr id="211" name="Google Shape;211;p14:notes"/>
           <p:cNvSpPr/>
           <p:nvPr>
             <p:ph idx="2" type="sldImg"/>
@@ -1386,7 +1386,7 @@
   <p:cSld>
     <p:spTree>
       <p:nvGrpSpPr>
-        <p:cNvPr id="104" name="Shape 104"/>
+        <p:cNvPr id="105" name="Shape 105"/>
         <p:cNvGrpSpPr/>
         <p:nvPr/>
       </p:nvGrpSpPr>
@@ -1400,7 +1400,7 @@
       </p:grpSpPr>
       <p:sp>
         <p:nvSpPr>
-          <p:cNvPr id="105" name="Google Shape;105;p3:notes"/>
+          <p:cNvPr id="106" name="Google Shape;106;p3:notes"/>
           <p:cNvSpPr txBox="1"/>
           <p:nvPr>
             <p:ph idx="1" type="body"/>
@@ -1439,7 +1439,7 @@
       </p:sp>
       <p:sp>
         <p:nvSpPr>
-          <p:cNvPr id="106" name="Google Shape;106;p3:notes"/>
+          <p:cNvPr id="107" name="Google Shape;107;p3:notes"/>
           <p:cNvSpPr/>
           <p:nvPr>
             <p:ph idx="2" type="sldImg"/>
@@ -1485,7 +1485,7 @@
   <p:cSld>
     <p:spTree>
       <p:nvGrpSpPr>
-        <p:cNvPr id="115" name="Shape 115"/>
+        <p:cNvPr id="116" name="Shape 116"/>
         <p:cNvGrpSpPr/>
         <p:nvPr/>
       </p:nvGrpSpPr>
@@ -1499,7 +1499,7 @@
       </p:grpSpPr>
       <p:sp>
         <p:nvSpPr>
-          <p:cNvPr id="116" name="Google Shape;116;p4:notes"/>
+          <p:cNvPr id="117" name="Google Shape;117;p4:notes"/>
           <p:cNvSpPr txBox="1"/>
           <p:nvPr>
             <p:ph idx="1" type="body"/>
@@ -1538,7 +1538,7 @@
       </p:sp>
       <p:sp>
         <p:nvSpPr>
-          <p:cNvPr id="117" name="Google Shape;117;p4:notes"/>
+          <p:cNvPr id="118" name="Google Shape;118;p4:notes"/>
           <p:cNvSpPr/>
           <p:nvPr>
             <p:ph idx="2" type="sldImg"/>
@@ -1584,7 +1584,7 @@
   <p:cSld>
     <p:spTree>
       <p:nvGrpSpPr>
-        <p:cNvPr id="126" name="Shape 126"/>
+        <p:cNvPr id="127" name="Shape 127"/>
         <p:cNvGrpSpPr/>
         <p:nvPr/>
       </p:nvGrpSpPr>
@@ -1598,7 +1598,7 @@
       </p:grpSpPr>
       <p:sp>
         <p:nvSpPr>
-          <p:cNvPr id="127" name="Google Shape;127;p5:notes"/>
+          <p:cNvPr id="128" name="Google Shape;128;p5:notes"/>
           <p:cNvSpPr txBox="1"/>
           <p:nvPr>
             <p:ph idx="1" type="body"/>
@@ -1637,7 +1637,7 @@
       </p:sp>
       <p:sp>
         <p:nvSpPr>
-          <p:cNvPr id="128" name="Google Shape;128;p5:notes"/>
+          <p:cNvPr id="129" name="Google Shape;129;p5:notes"/>
           <p:cNvSpPr/>
           <p:nvPr>
             <p:ph idx="2" type="sldImg"/>
@@ -1683,7 +1683,7 @@
   <p:cSld>
     <p:spTree>
       <p:nvGrpSpPr>
-        <p:cNvPr id="136" name="Shape 136"/>
+        <p:cNvPr id="137" name="Shape 137"/>
         <p:cNvGrpSpPr/>
         <p:nvPr/>
       </p:nvGrpSpPr>
@@ -1697,7 +1697,7 @@
       </p:grpSpPr>
       <p:sp>
         <p:nvSpPr>
-          <p:cNvPr id="137" name="Google Shape;137;p6:notes"/>
+          <p:cNvPr id="138" name="Google Shape;138;p6:notes"/>
           <p:cNvSpPr txBox="1"/>
           <p:nvPr>
             <p:ph idx="1" type="body"/>
@@ -1736,7 +1736,7 @@
       </p:sp>
       <p:sp>
         <p:nvSpPr>
-          <p:cNvPr id="138" name="Google Shape;138;p6:notes"/>
+          <p:cNvPr id="139" name="Google Shape;139;p6:notes"/>
           <p:cNvSpPr/>
           <p:nvPr>
             <p:ph idx="2" type="sldImg"/>
@@ -1782,7 +1782,7 @@
   <p:cSld>
     <p:spTree>
       <p:nvGrpSpPr>
-        <p:cNvPr id="145" name="Shape 145"/>
+        <p:cNvPr id="147" name="Shape 147"/>
         <p:cNvGrpSpPr/>
         <p:nvPr/>
       </p:nvGrpSpPr>
@@ -1796,7 +1796,7 @@
       </p:grpSpPr>
       <p:sp>
         <p:nvSpPr>
-          <p:cNvPr id="146" name="Google Shape;146;p7:notes"/>
+          <p:cNvPr id="148" name="Google Shape;148;p7:notes"/>
           <p:cNvSpPr txBox="1"/>
           <p:nvPr>
             <p:ph idx="1" type="body"/>
@@ -1835,7 +1835,7 @@
       </p:sp>
       <p:sp>
         <p:nvSpPr>
-          <p:cNvPr id="147" name="Google Shape;147;p7:notes"/>
+          <p:cNvPr id="149" name="Google Shape;149;p7:notes"/>
           <p:cNvSpPr/>
           <p:nvPr>
             <p:ph idx="2" type="sldImg"/>
@@ -1881,7 +1881,7 @@
   <p:cSld>
     <p:spTree>
       <p:nvGrpSpPr>
-        <p:cNvPr id="154" name="Shape 154"/>
+        <p:cNvPr id="156" name="Shape 156"/>
         <p:cNvGrpSpPr/>
         <p:nvPr/>
       </p:nvGrpSpPr>
@@ -1895,7 +1895,7 @@
       </p:grpSpPr>
       <p:sp>
         <p:nvSpPr>
-          <p:cNvPr id="155" name="Google Shape;155;p8:notes"/>
+          <p:cNvPr id="157" name="Google Shape;157;p8:notes"/>
           <p:cNvSpPr txBox="1"/>
           <p:nvPr>
             <p:ph idx="1" type="body"/>
@@ -1934,7 +1934,7 @@
       </p:sp>
       <p:sp>
         <p:nvSpPr>
-          <p:cNvPr id="156" name="Google Shape;156;p8:notes"/>
+          <p:cNvPr id="158" name="Google Shape;158;p8:notes"/>
           <p:cNvSpPr/>
           <p:nvPr>
             <p:ph idx="2" type="sldImg"/>
@@ -1980,7 +1980,7 @@
   <p:cSld>
     <p:spTree>
       <p:nvGrpSpPr>
-        <p:cNvPr id="163" name="Shape 163"/>
+        <p:cNvPr id="165" name="Shape 165"/>
         <p:cNvGrpSpPr/>
         <p:nvPr/>
       </p:nvGrpSpPr>
@@ -1994,7 +1994,7 @@
       </p:grpSpPr>
       <p:sp>
         <p:nvSpPr>
-          <p:cNvPr id="164" name="Google Shape;164;p9:notes"/>
+          <p:cNvPr id="166" name="Google Shape;166;p9:notes"/>
           <p:cNvSpPr txBox="1"/>
           <p:nvPr>
             <p:ph idx="1" type="body"/>
@@ -2033,7 +2033,7 @@
       </p:sp>
       <p:sp>
         <p:nvSpPr>
-          <p:cNvPr id="165" name="Google Shape;165;p9:notes"/>
+          <p:cNvPr id="167" name="Google Shape;167;p9:notes"/>
           <p:cNvSpPr/>
           <p:nvPr>
             <p:ph idx="2" type="sldImg"/>
@@ -12274,7 +12274,7 @@
   <p:cSld>
     <p:spTree>
       <p:nvGrpSpPr>
-        <p:cNvPr id="175" name="Shape 175"/>
+        <p:cNvPr id="177" name="Shape 177"/>
         <p:cNvGrpSpPr/>
         <p:nvPr/>
       </p:nvGrpSpPr>
@@ -12288,7 +12288,7 @@
       </p:grpSpPr>
       <p:pic>
         <p:nvPicPr>
-          <p:cNvPr descr="EscuelaIT Duoc UC - Escuela de Informática y Telecomunicaciones Duoc UC - Duoc  UC | LinkedIn" id="176" name="Google Shape;176;p10"/>
+          <p:cNvPr descr="EscuelaIT Duoc UC - Escuela de Informática y Telecomunicaciones Duoc UC - Duoc  UC | LinkedIn" id="178" name="Google Shape;178;p10"/>
           <p:cNvPicPr preferRelativeResize="0"/>
           <p:nvPr/>
         </p:nvPicPr>
@@ -12315,7 +12315,7 @@
       </p:pic>
       <p:sp>
         <p:nvSpPr>
-          <p:cNvPr id="177" name="Google Shape;177;p10"/>
+          <p:cNvPr id="179" name="Google Shape;179;p10"/>
           <p:cNvSpPr txBox="1"/>
           <p:nvPr/>
         </p:nvSpPr>
@@ -12389,14 +12389,14 @@
       </p:sp>
       <p:sp>
         <p:nvSpPr>
-          <p:cNvPr id="178" name="Google Shape;178;p10"/>
+          <p:cNvPr id="180" name="Google Shape;180;p10"/>
           <p:cNvSpPr txBox="1"/>
           <p:nvPr/>
         </p:nvSpPr>
         <p:spPr>
           <a:xfrm>
-            <a:off x="0" y="1432655"/>
-            <a:ext cx="12191999" cy="646331"/>
+            <a:off x="13" y="992905"/>
+            <a:ext cx="12192000" cy="646500"/>
           </a:xfrm>
           <a:prstGeom prst="rect">
             <a:avLst/>
@@ -12439,7 +12439,7 @@
       </p:sp>
       <p:cxnSp>
         <p:nvCxnSpPr>
-          <p:cNvPr id="179" name="Google Shape;179;p10"/>
+          <p:cNvPr id="181" name="Google Shape;181;p10"/>
           <p:cNvCxnSpPr/>
           <p:nvPr/>
         </p:nvCxnSpPr>
@@ -12463,16 +12463,24 @@
           </a:ln>
         </p:spPr>
       </p:cxnSp>
-      <p:sp>
-        <p:nvSpPr>
-          <p:cNvPr id="180" name="Google Shape;180;p10"/>
-          <p:cNvSpPr txBox="1"/>
+      <p:pic>
+        <p:nvPicPr>
+          <p:cNvPr id="182" name="Google Shape;182;p10"/>
+          <p:cNvPicPr preferRelativeResize="0"/>
           <p:nvPr/>
-        </p:nvSpPr>
+        </p:nvPicPr>
+        <p:blipFill>
+          <a:blip r:embed="rId4">
+            <a:alphaModFix/>
+          </a:blip>
+          <a:stretch>
+            <a:fillRect/>
+          </a:stretch>
+        </p:blipFill>
         <p:spPr>
           <a:xfrm>
-            <a:off x="302275" y="2329725"/>
-            <a:ext cx="11611200" cy="4391400"/>
+            <a:off x="9683950" y="4850500"/>
+            <a:ext cx="2445350" cy="2007504"/>
           </a:xfrm>
           <a:prstGeom prst="rect">
             <a:avLst/>
@@ -12482,349 +12490,147 @@
             <a:noFill/>
           </a:ln>
         </p:spPr>
-        <p:txBody>
-          <a:bodyPr anchorCtr="0" anchor="t" bIns="91425" lIns="91425" spcFirstLastPara="1" rIns="91425" wrap="square" tIns="91425">
-            <a:noAutofit/>
-          </a:bodyPr>
-          <a:lstStyle/>
-          <a:p>
-            <a:pPr indent="0" lvl="0" marL="0" rtl="0" algn="l">
-              <a:spcBef>
-                <a:spcPts val="0"/>
-              </a:spcBef>
-              <a:spcAft>
-                <a:spcPts val="0"/>
-              </a:spcAft>
-              <a:buNone/>
-            </a:pPr>
-            <a:r>
-              <a:rPr lang="es-CL" sz="1800">
-                <a:solidFill>
-                  <a:schemeClr val="dk1"/>
-                </a:solidFill>
-                <a:latin typeface="Calibri"/>
-                <a:ea typeface="Calibri"/>
-                <a:cs typeface="Calibri"/>
-                <a:sym typeface="Calibri"/>
-              </a:rPr>
-              <a:t>Frameworks y lenguajes: </a:t>
-            </a:r>
-            <a:r>
-              <a:rPr lang="es-CL" sz="1800">
-                <a:solidFill>
-                  <a:schemeClr val="dk1"/>
-                </a:solidFill>
-                <a:latin typeface="Calibri"/>
-                <a:ea typeface="Calibri"/>
-                <a:cs typeface="Calibri"/>
-                <a:sym typeface="Calibri"/>
-              </a:rPr>
-              <a:t>Utilizamos</a:t>
-            </a:r>
-            <a:r>
-              <a:rPr lang="es-CL" sz="1800">
-                <a:solidFill>
-                  <a:schemeClr val="dk1"/>
-                </a:solidFill>
-                <a:latin typeface="Calibri"/>
-                <a:ea typeface="Calibri"/>
-                <a:cs typeface="Calibri"/>
-                <a:sym typeface="Calibri"/>
-              </a:rPr>
-              <a:t> django, Python, HTML, CSS Y JavaScript.</a:t>
-            </a:r>
-            <a:endParaRPr sz="1800">
-              <a:solidFill>
-                <a:schemeClr val="dk1"/>
-              </a:solidFill>
-              <a:latin typeface="Calibri"/>
-              <a:ea typeface="Calibri"/>
-              <a:cs typeface="Calibri"/>
-              <a:sym typeface="Calibri"/>
-            </a:endParaRPr>
-          </a:p>
-          <a:p>
-            <a:pPr indent="0" lvl="0" marL="0" rtl="0" algn="l">
-              <a:spcBef>
-                <a:spcPts val="0"/>
-              </a:spcBef>
-              <a:spcAft>
-                <a:spcPts val="0"/>
-              </a:spcAft>
-              <a:buNone/>
-            </a:pPr>
-            <a:r>
-              <a:t/>
-            </a:r>
-            <a:endParaRPr sz="1800">
-              <a:solidFill>
-                <a:schemeClr val="dk1"/>
-              </a:solidFill>
-              <a:latin typeface="Calibri"/>
-              <a:ea typeface="Calibri"/>
-              <a:cs typeface="Calibri"/>
-              <a:sym typeface="Calibri"/>
-            </a:endParaRPr>
-          </a:p>
-          <a:p>
-            <a:pPr indent="0" lvl="0" marL="0" rtl="0" algn="l">
-              <a:spcBef>
-                <a:spcPts val="0"/>
-              </a:spcBef>
-              <a:spcAft>
-                <a:spcPts val="0"/>
-              </a:spcAft>
-              <a:buNone/>
-            </a:pPr>
-            <a:r>
-              <a:rPr lang="es-CL" sz="1800">
-                <a:solidFill>
-                  <a:schemeClr val="dk1"/>
-                </a:solidFill>
-                <a:latin typeface="Calibri"/>
-                <a:ea typeface="Calibri"/>
-                <a:cs typeface="Calibri"/>
-                <a:sym typeface="Calibri"/>
-              </a:rPr>
-              <a:t>Base de datos: Fue utilizada MySQL como sistema de </a:t>
-            </a:r>
-            <a:r>
-              <a:rPr lang="es-CL" sz="1800">
-                <a:solidFill>
-                  <a:schemeClr val="dk1"/>
-                </a:solidFill>
-                <a:latin typeface="Calibri"/>
-                <a:ea typeface="Calibri"/>
-                <a:cs typeface="Calibri"/>
-                <a:sym typeface="Calibri"/>
-              </a:rPr>
-              <a:t>gestión</a:t>
-            </a:r>
-            <a:r>
-              <a:rPr lang="es-CL" sz="1800">
-                <a:solidFill>
-                  <a:schemeClr val="dk1"/>
-                </a:solidFill>
-                <a:latin typeface="Calibri"/>
-                <a:ea typeface="Calibri"/>
-                <a:cs typeface="Calibri"/>
-                <a:sym typeface="Calibri"/>
-              </a:rPr>
-              <a:t> de base de datos.</a:t>
-            </a:r>
-            <a:endParaRPr sz="1800">
-              <a:solidFill>
-                <a:schemeClr val="dk1"/>
-              </a:solidFill>
-              <a:latin typeface="Calibri"/>
-              <a:ea typeface="Calibri"/>
-              <a:cs typeface="Calibri"/>
-              <a:sym typeface="Calibri"/>
-            </a:endParaRPr>
-          </a:p>
-          <a:p>
-            <a:pPr indent="0" lvl="0" marL="0" rtl="0" algn="l">
-              <a:spcBef>
-                <a:spcPts val="0"/>
-              </a:spcBef>
-              <a:spcAft>
-                <a:spcPts val="0"/>
-              </a:spcAft>
-              <a:buNone/>
-            </a:pPr>
-            <a:r>
-              <a:t/>
-            </a:r>
-            <a:endParaRPr sz="1800">
-              <a:solidFill>
-                <a:schemeClr val="dk1"/>
-              </a:solidFill>
-              <a:latin typeface="Calibri"/>
-              <a:ea typeface="Calibri"/>
-              <a:cs typeface="Calibri"/>
-              <a:sym typeface="Calibri"/>
-            </a:endParaRPr>
-          </a:p>
-          <a:p>
-            <a:pPr indent="0" lvl="0" marL="0" rtl="0" algn="l">
-              <a:spcBef>
-                <a:spcPts val="0"/>
-              </a:spcBef>
-              <a:spcAft>
-                <a:spcPts val="0"/>
-              </a:spcAft>
-              <a:buNone/>
-            </a:pPr>
-            <a:r>
-              <a:rPr lang="es-CL" sz="1800">
-                <a:solidFill>
-                  <a:schemeClr val="dk1"/>
-                </a:solidFill>
-                <a:latin typeface="Calibri"/>
-                <a:ea typeface="Calibri"/>
-                <a:cs typeface="Calibri"/>
-                <a:sym typeface="Calibri"/>
-              </a:rPr>
-              <a:t>Control de versiones: Para manejar el versionamiento del proyecto utilizamos Git.</a:t>
-            </a:r>
-            <a:endParaRPr sz="1800">
-              <a:solidFill>
-                <a:schemeClr val="dk1"/>
-              </a:solidFill>
-              <a:latin typeface="Calibri"/>
-              <a:ea typeface="Calibri"/>
-              <a:cs typeface="Calibri"/>
-              <a:sym typeface="Calibri"/>
-            </a:endParaRPr>
-          </a:p>
-          <a:p>
-            <a:pPr indent="0" lvl="0" marL="0" rtl="0" algn="l">
-              <a:spcBef>
-                <a:spcPts val="0"/>
-              </a:spcBef>
-              <a:spcAft>
-                <a:spcPts val="0"/>
-              </a:spcAft>
-              <a:buNone/>
-            </a:pPr>
-            <a:r>
-              <a:t/>
-            </a:r>
-            <a:endParaRPr sz="1800">
-              <a:solidFill>
-                <a:schemeClr val="dk1"/>
-              </a:solidFill>
-              <a:latin typeface="Calibri"/>
-              <a:ea typeface="Calibri"/>
-              <a:cs typeface="Calibri"/>
-              <a:sym typeface="Calibri"/>
-            </a:endParaRPr>
-          </a:p>
-          <a:p>
-            <a:pPr indent="0" lvl="0" marL="0" rtl="0" algn="l">
-              <a:spcBef>
-                <a:spcPts val="0"/>
-              </a:spcBef>
-              <a:spcAft>
-                <a:spcPts val="0"/>
-              </a:spcAft>
-              <a:buNone/>
-            </a:pPr>
-            <a:r>
-              <a:rPr lang="es-CL" sz="1800">
-                <a:solidFill>
-                  <a:schemeClr val="dk1"/>
-                </a:solidFill>
-                <a:latin typeface="Calibri"/>
-                <a:ea typeface="Calibri"/>
-                <a:cs typeface="Calibri"/>
-                <a:sym typeface="Calibri"/>
-              </a:rPr>
-              <a:t>Entorno de desarrollo: Para desarrollar el proyecto utilizamos </a:t>
-            </a:r>
-            <a:r>
-              <a:rPr lang="es-CL" sz="1800">
-                <a:solidFill>
-                  <a:schemeClr val="dk1"/>
-                </a:solidFill>
-                <a:latin typeface="Calibri"/>
-                <a:ea typeface="Calibri"/>
-                <a:cs typeface="Calibri"/>
-                <a:sym typeface="Calibri"/>
-              </a:rPr>
-              <a:t>Visual Studio Code</a:t>
-            </a:r>
-            <a:r>
-              <a:rPr lang="es-CL" sz="1800">
-                <a:solidFill>
-                  <a:schemeClr val="dk1"/>
-                </a:solidFill>
-                <a:latin typeface="Calibri"/>
-                <a:ea typeface="Calibri"/>
-                <a:cs typeface="Calibri"/>
-                <a:sym typeface="Calibri"/>
-              </a:rPr>
-              <a:t> como editor de </a:t>
-            </a:r>
-            <a:r>
-              <a:rPr lang="es-CL" sz="1800">
-                <a:solidFill>
-                  <a:schemeClr val="dk1"/>
-                </a:solidFill>
-                <a:latin typeface="Calibri"/>
-                <a:ea typeface="Calibri"/>
-                <a:cs typeface="Calibri"/>
-                <a:sym typeface="Calibri"/>
-              </a:rPr>
-              <a:t>código.</a:t>
-            </a:r>
-            <a:endParaRPr sz="1800">
-              <a:solidFill>
-                <a:schemeClr val="dk1"/>
-              </a:solidFill>
-              <a:latin typeface="Calibri"/>
-              <a:ea typeface="Calibri"/>
-              <a:cs typeface="Calibri"/>
-              <a:sym typeface="Calibri"/>
-            </a:endParaRPr>
-          </a:p>
-          <a:p>
-            <a:pPr indent="0" lvl="0" marL="0" rtl="0" algn="l">
-              <a:spcBef>
-                <a:spcPts val="0"/>
-              </a:spcBef>
-              <a:spcAft>
-                <a:spcPts val="0"/>
-              </a:spcAft>
-              <a:buNone/>
-            </a:pPr>
-            <a:r>
-              <a:t/>
-            </a:r>
-            <a:endParaRPr sz="1800">
-              <a:solidFill>
-                <a:schemeClr val="dk1"/>
-              </a:solidFill>
-              <a:latin typeface="Calibri"/>
-              <a:ea typeface="Calibri"/>
-              <a:cs typeface="Calibri"/>
-              <a:sym typeface="Calibri"/>
-            </a:endParaRPr>
-          </a:p>
-          <a:p>
-            <a:pPr indent="0" lvl="0" marL="0" rtl="0" algn="l">
-              <a:spcBef>
-                <a:spcPts val="0"/>
-              </a:spcBef>
-              <a:spcAft>
-                <a:spcPts val="0"/>
-              </a:spcAft>
-              <a:buNone/>
-            </a:pPr>
-            <a:r>
-              <a:rPr lang="es-CL" sz="1800">
-                <a:solidFill>
-                  <a:schemeClr val="dk1"/>
-                </a:solidFill>
-                <a:latin typeface="Calibri"/>
-                <a:ea typeface="Calibri"/>
-                <a:cs typeface="Calibri"/>
-                <a:sym typeface="Calibri"/>
-              </a:rPr>
-              <a:t>Método de pago: Utilizamos la api de transbank para lograr que la página web permite realizar transacciones.</a:t>
-            </a:r>
-            <a:endParaRPr sz="1800">
-              <a:solidFill>
-                <a:schemeClr val="dk1"/>
-              </a:solidFill>
-              <a:latin typeface="Calibri"/>
-              <a:ea typeface="Calibri"/>
-              <a:cs typeface="Calibri"/>
-              <a:sym typeface="Calibri"/>
-            </a:endParaRPr>
-          </a:p>
-        </p:txBody>
-      </p:sp>
+      </p:pic>
+      <p:pic>
+        <p:nvPicPr>
+          <p:cNvPr id="183" name="Google Shape;183;p10"/>
+          <p:cNvPicPr preferRelativeResize="0"/>
+          <p:nvPr/>
+        </p:nvPicPr>
+        <p:blipFill>
+          <a:blip r:embed="rId5">
+            <a:alphaModFix/>
+          </a:blip>
+          <a:stretch>
+            <a:fillRect/>
+          </a:stretch>
+        </p:blipFill>
+        <p:spPr>
+          <a:xfrm>
+            <a:off x="10283975" y="1110415"/>
+            <a:ext cx="1766707" cy="1932375"/>
+          </a:xfrm>
+          <a:prstGeom prst="rect">
+            <a:avLst/>
+          </a:prstGeom>
+          <a:noFill/>
+          <a:ln>
+            <a:noFill/>
+          </a:ln>
+        </p:spPr>
+      </p:pic>
+      <p:pic>
+        <p:nvPicPr>
+          <p:cNvPr id="184" name="Google Shape;184;p10"/>
+          <p:cNvPicPr preferRelativeResize="0"/>
+          <p:nvPr/>
+        </p:nvPicPr>
+        <p:blipFill>
+          <a:blip r:embed="rId6">
+            <a:alphaModFix/>
+          </a:blip>
+          <a:stretch>
+            <a:fillRect/>
+          </a:stretch>
+        </p:blipFill>
+        <p:spPr>
+          <a:xfrm>
+            <a:off x="402050" y="1110450"/>
+            <a:ext cx="2078541" cy="2273400"/>
+          </a:xfrm>
+          <a:prstGeom prst="rect">
+            <a:avLst/>
+          </a:prstGeom>
+          <a:noFill/>
+          <a:ln>
+            <a:noFill/>
+          </a:ln>
+        </p:spPr>
+      </p:pic>
+      <p:pic>
+        <p:nvPicPr>
+          <p:cNvPr id="185" name="Google Shape;185;p10"/>
+          <p:cNvPicPr preferRelativeResize="0"/>
+          <p:nvPr/>
+        </p:nvPicPr>
+        <p:blipFill>
+          <a:blip r:embed="rId7">
+            <a:alphaModFix/>
+          </a:blip>
+          <a:stretch>
+            <a:fillRect/>
+          </a:stretch>
+        </p:blipFill>
+        <p:spPr>
+          <a:xfrm>
+            <a:off x="2535187" y="2245650"/>
+            <a:ext cx="7394025" cy="1876425"/>
+          </a:xfrm>
+          <a:prstGeom prst="rect">
+            <a:avLst/>
+          </a:prstGeom>
+          <a:noFill/>
+          <a:ln>
+            <a:noFill/>
+          </a:ln>
+        </p:spPr>
+      </p:pic>
+      <p:pic>
+        <p:nvPicPr>
+          <p:cNvPr id="186" name="Google Shape;186;p10"/>
+          <p:cNvPicPr preferRelativeResize="0"/>
+          <p:nvPr/>
+        </p:nvPicPr>
+        <p:blipFill>
+          <a:blip r:embed="rId8">
+            <a:alphaModFix/>
+          </a:blip>
+          <a:stretch>
+            <a:fillRect/>
+          </a:stretch>
+        </p:blipFill>
+        <p:spPr>
+          <a:xfrm>
+            <a:off x="4265563" y="4288775"/>
+            <a:ext cx="3933225" cy="2273404"/>
+          </a:xfrm>
+          <a:prstGeom prst="rect">
+            <a:avLst/>
+          </a:prstGeom>
+          <a:noFill/>
+          <a:ln>
+            <a:noFill/>
+          </a:ln>
+        </p:spPr>
+      </p:pic>
+      <p:pic>
+        <p:nvPicPr>
+          <p:cNvPr id="187" name="Google Shape;187;p10"/>
+          <p:cNvPicPr preferRelativeResize="0"/>
+          <p:nvPr/>
+        </p:nvPicPr>
+        <p:blipFill>
+          <a:blip r:embed="rId9">
+            <a:alphaModFix/>
+          </a:blip>
+          <a:stretch>
+            <a:fillRect/>
+          </a:stretch>
+        </p:blipFill>
+        <p:spPr>
+          <a:xfrm>
+            <a:off x="62713" y="4412625"/>
+            <a:ext cx="2445375" cy="2445375"/>
+          </a:xfrm>
+          <a:prstGeom prst="rect">
+            <a:avLst/>
+          </a:prstGeom>
+          <a:noFill/>
+          <a:ln>
+            <a:noFill/>
+          </a:ln>
+        </p:spPr>
+      </p:pic>
     </p:spTree>
   </p:cSld>
   <p:clrMapOvr>
@@ -12841,7 +12647,7 @@
   <p:cSld>
     <p:spTree>
       <p:nvGrpSpPr>
-        <p:cNvPr id="184" name="Shape 184"/>
+        <p:cNvPr id="191" name="Shape 191"/>
         <p:cNvGrpSpPr/>
         <p:nvPr/>
       </p:nvGrpSpPr>
@@ -12855,7 +12661,7 @@
       </p:grpSpPr>
       <p:pic>
         <p:nvPicPr>
-          <p:cNvPr descr="EscuelaIT Duoc UC - Escuela de Informática y Telecomunicaciones Duoc UC - Duoc  UC | LinkedIn" id="185" name="Google Shape;185;p11"/>
+          <p:cNvPr descr="EscuelaIT Duoc UC - Escuela de Informática y Telecomunicaciones Duoc UC - Duoc  UC | LinkedIn" id="192" name="Google Shape;192;p11"/>
           <p:cNvPicPr preferRelativeResize="0"/>
           <p:nvPr/>
         </p:nvPicPr>
@@ -12882,7 +12688,7 @@
       </p:pic>
       <p:sp>
         <p:nvSpPr>
-          <p:cNvPr id="186" name="Google Shape;186;p11"/>
+          <p:cNvPr id="193" name="Google Shape;193;p11"/>
           <p:cNvSpPr txBox="1"/>
           <p:nvPr/>
         </p:nvSpPr>
@@ -12978,7 +12784,7 @@
   <p:cSld>
     <p:spTree>
       <p:nvGrpSpPr>
-        <p:cNvPr id="190" name="Shape 190"/>
+        <p:cNvPr id="197" name="Shape 197"/>
         <p:cNvGrpSpPr/>
         <p:nvPr/>
       </p:nvGrpSpPr>
@@ -12992,7 +12798,7 @@
       </p:grpSpPr>
       <p:pic>
         <p:nvPicPr>
-          <p:cNvPr descr="EscuelaIT Duoc UC - Escuela de Informática y Telecomunicaciones Duoc UC - Duoc  UC | LinkedIn" id="191" name="Google Shape;191;p12"/>
+          <p:cNvPr descr="EscuelaIT Duoc UC - Escuela de Informática y Telecomunicaciones Duoc UC - Duoc  UC | LinkedIn" id="198" name="Google Shape;198;p12"/>
           <p:cNvPicPr preferRelativeResize="0"/>
           <p:nvPr/>
         </p:nvPicPr>
@@ -13019,7 +12825,7 @@
       </p:pic>
       <p:sp>
         <p:nvSpPr>
-          <p:cNvPr id="192" name="Google Shape;192;p12"/>
+          <p:cNvPr id="199" name="Google Shape;199;p12"/>
           <p:cNvSpPr txBox="1"/>
           <p:nvPr/>
         </p:nvSpPr>
@@ -13069,7 +12875,7 @@
       </p:sp>
       <p:sp>
         <p:nvSpPr>
-          <p:cNvPr id="193" name="Google Shape;193;p12"/>
+          <p:cNvPr id="200" name="Google Shape;200;p12"/>
           <p:cNvSpPr txBox="1"/>
           <p:nvPr/>
         </p:nvSpPr>
@@ -13118,7 +12924,7 @@
       </p:sp>
       <p:sp>
         <p:nvSpPr>
-          <p:cNvPr id="194" name="Google Shape;194;p12"/>
+          <p:cNvPr id="201" name="Google Shape;201;p12"/>
           <p:cNvSpPr txBox="1"/>
           <p:nvPr/>
         </p:nvSpPr>
@@ -13583,7 +13389,7 @@
   <p:cSld>
     <p:spTree>
       <p:nvGrpSpPr>
-        <p:cNvPr id="198" name="Shape 198"/>
+        <p:cNvPr id="205" name="Shape 205"/>
         <p:cNvGrpSpPr/>
         <p:nvPr/>
       </p:nvGrpSpPr>
@@ -13597,7 +13403,7 @@
       </p:grpSpPr>
       <p:pic>
         <p:nvPicPr>
-          <p:cNvPr descr="EscuelaIT Duoc UC - Escuela de Informática y Telecomunicaciones Duoc UC - Duoc  UC | LinkedIn" id="199" name="Google Shape;199;p13"/>
+          <p:cNvPr descr="EscuelaIT Duoc UC - Escuela de Informática y Telecomunicaciones Duoc UC - Duoc  UC | LinkedIn" id="206" name="Google Shape;206;p13"/>
           <p:cNvPicPr preferRelativeResize="0"/>
           <p:nvPr/>
         </p:nvPicPr>
@@ -13624,7 +13430,7 @@
       </p:pic>
       <p:sp>
         <p:nvSpPr>
-          <p:cNvPr id="200" name="Google Shape;200;p13"/>
+          <p:cNvPr id="207" name="Google Shape;207;p13"/>
           <p:cNvSpPr txBox="1"/>
           <p:nvPr/>
         </p:nvSpPr>
@@ -13674,7 +13480,7 @@
       </p:sp>
       <p:sp>
         <p:nvSpPr>
-          <p:cNvPr id="201" name="Google Shape;201;p13"/>
+          <p:cNvPr id="208" name="Google Shape;208;p13"/>
           <p:cNvSpPr txBox="1"/>
           <p:nvPr/>
         </p:nvSpPr>
@@ -13960,7 +13766,7 @@
   <p:cSld>
     <p:spTree>
       <p:nvGrpSpPr>
-        <p:cNvPr id="205" name="Shape 205"/>
+        <p:cNvPr id="212" name="Shape 212"/>
         <p:cNvGrpSpPr/>
         <p:nvPr/>
       </p:nvGrpSpPr>
@@ -13974,7 +13780,7 @@
       </p:grpSpPr>
       <p:pic>
         <p:nvPicPr>
-          <p:cNvPr descr="EscuelaIT Duoc UC - Escuela de Informática y Telecomunicaciones Duoc UC - Duoc  UC | LinkedIn" id="206" name="Google Shape;206;p14"/>
+          <p:cNvPr descr="EscuelaIT Duoc UC - Escuela de Informática y Telecomunicaciones Duoc UC - Duoc  UC | LinkedIn" id="213" name="Google Shape;213;p14"/>
           <p:cNvPicPr preferRelativeResize="0"/>
           <p:nvPr/>
         </p:nvPicPr>
@@ -14001,7 +13807,7 @@
       </p:pic>
       <p:sp>
         <p:nvSpPr>
-          <p:cNvPr id="207" name="Google Shape;207;p14"/>
+          <p:cNvPr id="214" name="Google Shape;214;p14"/>
           <p:cNvSpPr txBox="1"/>
           <p:nvPr/>
         </p:nvSpPr>
@@ -15144,6 +14950,34 @@
           </a:ln>
         </p:spPr>
       </p:cxnSp>
+      <p:pic>
+        <p:nvPicPr>
+          <p:cNvPr id="104" name="Google Shape;104;p2"/>
+          <p:cNvPicPr preferRelativeResize="0"/>
+          <p:nvPr/>
+        </p:nvPicPr>
+        <p:blipFill>
+          <a:blip r:embed="rId4">
+            <a:alphaModFix/>
+          </a:blip>
+          <a:stretch>
+            <a:fillRect/>
+          </a:stretch>
+        </p:blipFill>
+        <p:spPr>
+          <a:xfrm>
+            <a:off x="4237425" y="4775525"/>
+            <a:ext cx="1582599" cy="1200325"/>
+          </a:xfrm>
+          <a:prstGeom prst="rect">
+            <a:avLst/>
+          </a:prstGeom>
+          <a:noFill/>
+          <a:ln>
+            <a:noFill/>
+          </a:ln>
+        </p:spPr>
+      </p:pic>
     </p:spTree>
   </p:cSld>
   <p:clrMapOvr>
@@ -15160,7 +14994,7 @@
   <p:cSld>
     <p:spTree>
       <p:nvGrpSpPr>
-        <p:cNvPr id="107" name="Shape 107"/>
+        <p:cNvPr id="108" name="Shape 108"/>
         <p:cNvGrpSpPr/>
         <p:nvPr/>
       </p:nvGrpSpPr>
@@ -15174,7 +15008,7 @@
       </p:grpSpPr>
       <p:pic>
         <p:nvPicPr>
-          <p:cNvPr descr="EscuelaIT Duoc UC - Escuela de Informática y Telecomunicaciones Duoc UC - Duoc  UC | LinkedIn" id="108" name="Google Shape;108;p3"/>
+          <p:cNvPr descr="EscuelaIT Duoc UC - Escuela de Informática y Telecomunicaciones Duoc UC - Duoc  UC | LinkedIn" id="109" name="Google Shape;109;p3"/>
           <p:cNvPicPr preferRelativeResize="0"/>
           <p:nvPr/>
         </p:nvPicPr>
@@ -15201,7 +15035,7 @@
       </p:pic>
       <p:sp>
         <p:nvSpPr>
-          <p:cNvPr id="109" name="Google Shape;109;p3"/>
+          <p:cNvPr id="110" name="Google Shape;110;p3"/>
           <p:cNvSpPr txBox="1"/>
           <p:nvPr/>
         </p:nvSpPr>
@@ -15251,7 +15085,7 @@
       </p:sp>
       <p:sp>
         <p:nvSpPr>
-          <p:cNvPr id="110" name="Google Shape;110;p3"/>
+          <p:cNvPr id="111" name="Google Shape;111;p3"/>
           <p:cNvSpPr txBox="1"/>
           <p:nvPr/>
         </p:nvSpPr>
@@ -15309,7 +15143,7 @@
       </p:sp>
       <p:cxnSp>
         <p:nvCxnSpPr>
-          <p:cNvPr id="111" name="Google Shape;111;p3"/>
+          <p:cNvPr id="112" name="Google Shape;112;p3"/>
           <p:cNvCxnSpPr/>
           <p:nvPr/>
         </p:nvCxnSpPr>
@@ -15335,7 +15169,7 @@
       </p:cxnSp>
       <p:sp>
         <p:nvSpPr>
-          <p:cNvPr id="112" name="Google Shape;112;p3"/>
+          <p:cNvPr id="113" name="Google Shape;113;p3"/>
           <p:cNvSpPr/>
           <p:nvPr/>
         </p:nvSpPr>
@@ -15536,7 +15370,7 @@
       </p:sp>
       <p:sp>
         <p:nvSpPr>
-          <p:cNvPr id="113" name="Google Shape;113;p3"/>
+          <p:cNvPr id="114" name="Google Shape;114;p3"/>
           <p:cNvSpPr/>
           <p:nvPr/>
         </p:nvSpPr>
@@ -15706,7 +15540,7 @@
       </p:sp>
       <p:sp>
         <p:nvSpPr>
-          <p:cNvPr id="114" name="Google Shape;114;p3"/>
+          <p:cNvPr id="115" name="Google Shape;115;p3"/>
           <p:cNvSpPr/>
           <p:nvPr/>
         </p:nvSpPr>
@@ -15806,7 +15640,7 @@
                                           </p:stCondLst>
                                         </p:cTn>
                                         <p:tgtEl>
-                                          <p:spTgt spid="112"/>
+                                          <p:spTgt spid="113"/>
                                         </p:tgtEl>
                                         <p:attrNameLst>
                                           <p:attrName>style.visibility</p:attrName>
@@ -15820,7 +15654,7 @@
                                       <p:cBhvr>
                                         <p:cTn dur="500"/>
                                         <p:tgtEl>
-                                          <p:spTgt spid="112"/>
+                                          <p:spTgt spid="113"/>
                                         </p:tgtEl>
                                       </p:cBhvr>
                                     </p:animEffect>
@@ -15859,7 +15693,7 @@
                                           </p:stCondLst>
                                         </p:cTn>
                                         <p:tgtEl>
-                                          <p:spTgt spid="114"/>
+                                          <p:spTgt spid="115"/>
                                         </p:tgtEl>
                                         <p:attrNameLst>
                                           <p:attrName>style.visibility</p:attrName>
@@ -15873,7 +15707,7 @@
                                       <p:cBhvr>
                                         <p:cTn dur="500"/>
                                         <p:tgtEl>
-                                          <p:spTgt spid="114"/>
+                                          <p:spTgt spid="115"/>
                                         </p:tgtEl>
                                       </p:cBhvr>
                                     </p:animEffect>
@@ -15894,7 +15728,7 @@
                                           </p:stCondLst>
                                         </p:cTn>
                                         <p:tgtEl>
-                                          <p:spTgt spid="113"/>
+                                          <p:spTgt spid="114"/>
                                         </p:tgtEl>
                                         <p:attrNameLst>
                                           <p:attrName>style.visibility</p:attrName>
@@ -15908,7 +15742,7 @@
                                       <p:cBhvr>
                                         <p:cTn dur="500"/>
                                         <p:tgtEl>
-                                          <p:spTgt spid="113"/>
+                                          <p:spTgt spid="114"/>
                                         </p:tgtEl>
                                       </p:cBhvr>
                                     </p:animEffect>
@@ -15951,7 +15785,7 @@
   <p:cSld>
     <p:spTree>
       <p:nvGrpSpPr>
-        <p:cNvPr id="118" name="Shape 118"/>
+        <p:cNvPr id="119" name="Shape 119"/>
         <p:cNvGrpSpPr/>
         <p:nvPr/>
       </p:nvGrpSpPr>
@@ -15965,7 +15799,7 @@
       </p:grpSpPr>
       <p:pic>
         <p:nvPicPr>
-          <p:cNvPr descr="EscuelaIT Duoc UC - Escuela de Informática y Telecomunicaciones Duoc UC - Duoc  UC | LinkedIn" id="119" name="Google Shape;119;p4"/>
+          <p:cNvPr descr="EscuelaIT Duoc UC - Escuela de Informática y Telecomunicaciones Duoc UC - Duoc  UC | LinkedIn" id="120" name="Google Shape;120;p4"/>
           <p:cNvPicPr preferRelativeResize="0"/>
           <p:nvPr/>
         </p:nvPicPr>
@@ -15992,7 +15826,7 @@
       </p:pic>
       <p:sp>
         <p:nvSpPr>
-          <p:cNvPr id="120" name="Google Shape;120;p4"/>
+          <p:cNvPr id="121" name="Google Shape;121;p4"/>
           <p:cNvSpPr txBox="1"/>
           <p:nvPr/>
         </p:nvSpPr>
@@ -16042,7 +15876,7 @@
       </p:sp>
       <p:sp>
         <p:nvSpPr>
-          <p:cNvPr id="121" name="Google Shape;121;p4"/>
+          <p:cNvPr id="122" name="Google Shape;122;p4"/>
           <p:cNvSpPr txBox="1"/>
           <p:nvPr/>
         </p:nvSpPr>
@@ -16100,7 +15934,7 @@
       </p:sp>
       <p:cxnSp>
         <p:nvCxnSpPr>
-          <p:cNvPr id="122" name="Google Shape;122;p4"/>
+          <p:cNvPr id="123" name="Google Shape;123;p4"/>
           <p:cNvCxnSpPr/>
           <p:nvPr/>
         </p:nvCxnSpPr>
@@ -16126,7 +15960,7 @@
       </p:cxnSp>
       <p:sp>
         <p:nvSpPr>
-          <p:cNvPr id="123" name="Google Shape;123;p4"/>
+          <p:cNvPr id="124" name="Google Shape;124;p4"/>
           <p:cNvSpPr txBox="1"/>
           <p:nvPr/>
         </p:nvSpPr>
@@ -16184,7 +16018,7 @@
       </p:sp>
       <p:sp>
         <p:nvSpPr>
-          <p:cNvPr id="124" name="Google Shape;124;p4"/>
+          <p:cNvPr id="125" name="Google Shape;125;p4"/>
           <p:cNvSpPr/>
           <p:nvPr/>
         </p:nvSpPr>
@@ -16236,7 +16070,127 @@
                 <a:cs typeface="Calibri"/>
                 <a:sym typeface="Calibri"/>
               </a:rPr>
-              <a:t>El objetivo principal del proyecto es desarrollar una solución web que cumpla con las necesidades del cliente, optimizando los procesos existentes y brindando una experiencia automatizada y conveniente para los usuarios.</a:t>
+              <a:t>El objetivo principal del proyecto es mejorar las ventas de ambas sucursales de la empresa mediante la </a:t>
+            </a:r>
+            <a:r>
+              <a:rPr lang="es-CL" sz="1800">
+                <a:solidFill>
+                  <a:schemeClr val="dk1"/>
+                </a:solidFill>
+                <a:latin typeface="Calibri"/>
+                <a:ea typeface="Calibri"/>
+                <a:cs typeface="Calibri"/>
+                <a:sym typeface="Calibri"/>
+              </a:rPr>
+              <a:t>creación</a:t>
+            </a:r>
+            <a:r>
+              <a:rPr lang="es-CL" sz="1800">
+                <a:solidFill>
+                  <a:schemeClr val="dk1"/>
+                </a:solidFill>
+                <a:latin typeface="Calibri"/>
+                <a:ea typeface="Calibri"/>
+                <a:cs typeface="Calibri"/>
+                <a:sym typeface="Calibri"/>
+              </a:rPr>
+              <a:t> de una </a:t>
+            </a:r>
+            <a:r>
+              <a:rPr lang="es-CL" sz="1800">
+                <a:solidFill>
+                  <a:schemeClr val="dk1"/>
+                </a:solidFill>
+                <a:latin typeface="Calibri"/>
+                <a:ea typeface="Calibri"/>
+                <a:cs typeface="Calibri"/>
+                <a:sym typeface="Calibri"/>
+              </a:rPr>
+              <a:t>página</a:t>
+            </a:r>
+            <a:r>
+              <a:rPr lang="es-CL" sz="1800">
+                <a:solidFill>
+                  <a:schemeClr val="dk1"/>
+                </a:solidFill>
+                <a:latin typeface="Calibri"/>
+                <a:ea typeface="Calibri"/>
+                <a:cs typeface="Calibri"/>
+                <a:sym typeface="Calibri"/>
+              </a:rPr>
+              <a:t> web que </a:t>
+            </a:r>
+            <a:r>
+              <a:rPr lang="es-CL" sz="1800">
+                <a:solidFill>
+                  <a:schemeClr val="dk1"/>
+                </a:solidFill>
+                <a:latin typeface="Calibri"/>
+                <a:ea typeface="Calibri"/>
+                <a:cs typeface="Calibri"/>
+                <a:sym typeface="Calibri"/>
+              </a:rPr>
+              <a:t>permita</a:t>
+            </a:r>
+            <a:r>
+              <a:rPr lang="es-CL" sz="1800">
+                <a:solidFill>
+                  <a:schemeClr val="dk1"/>
+                </a:solidFill>
+                <a:latin typeface="Calibri"/>
+                <a:ea typeface="Calibri"/>
+                <a:cs typeface="Calibri"/>
+                <a:sym typeface="Calibri"/>
+              </a:rPr>
+              <a:t> </a:t>
+            </a:r>
+            <a:r>
+              <a:rPr lang="es-CL" sz="1800">
+                <a:solidFill>
+                  <a:schemeClr val="dk1"/>
+                </a:solidFill>
+                <a:latin typeface="Calibri"/>
+                <a:ea typeface="Calibri"/>
+                <a:cs typeface="Calibri"/>
+                <a:sym typeface="Calibri"/>
+              </a:rPr>
+              <a:t>agilizar</a:t>
+            </a:r>
+            <a:r>
+              <a:rPr lang="es-CL" sz="1800">
+                <a:solidFill>
+                  <a:schemeClr val="dk1"/>
+                </a:solidFill>
+                <a:latin typeface="Calibri"/>
+                <a:ea typeface="Calibri"/>
+                <a:cs typeface="Calibri"/>
+                <a:sym typeface="Calibri"/>
+              </a:rPr>
+              <a:t> y automatizar los procesos administrativos, </a:t>
+            </a:r>
+            <a:r>
+              <a:rPr lang="es-CL" sz="1800">
+                <a:solidFill>
+                  <a:schemeClr val="dk1"/>
+                </a:solidFill>
+                <a:latin typeface="Calibri"/>
+                <a:ea typeface="Calibri"/>
+                <a:cs typeface="Calibri"/>
+                <a:sym typeface="Calibri"/>
+              </a:rPr>
+              <a:t>además</a:t>
+            </a:r>
+            <a:r>
+              <a:rPr lang="es-CL" sz="1800">
+                <a:solidFill>
+                  <a:schemeClr val="dk1"/>
+                </a:solidFill>
+                <a:latin typeface="Calibri"/>
+                <a:ea typeface="Calibri"/>
+                <a:cs typeface="Calibri"/>
+                <a:sym typeface="Calibri"/>
+              </a:rPr>
+              <a:t> de brindar una mayor visibilidad y accesibilidad a sus servicios.</a:t>
             </a:r>
             <a:endParaRPr sz="1800">
               <a:solidFill>
@@ -16252,7 +16206,7 @@
       </p:sp>
       <p:sp>
         <p:nvSpPr>
-          <p:cNvPr id="125" name="Google Shape;125;p4"/>
+          <p:cNvPr id="126" name="Google Shape;126;p4"/>
           <p:cNvSpPr/>
           <p:nvPr/>
         </p:nvSpPr>
@@ -16384,7 +16338,7 @@
                                           </p:stCondLst>
                                         </p:cTn>
                                         <p:tgtEl>
-                                          <p:spTgt spid="123"/>
+                                          <p:spTgt spid="124"/>
                                         </p:tgtEl>
                                         <p:attrNameLst>
                                           <p:attrName>style.visibility</p:attrName>
@@ -16398,7 +16352,7 @@
                                       <p:cBhvr>
                                         <p:cTn dur="500"/>
                                         <p:tgtEl>
-                                          <p:spTgt spid="123"/>
+                                          <p:spTgt spid="124"/>
                                         </p:tgtEl>
                                       </p:cBhvr>
                                     </p:animEffect>
@@ -16419,7 +16373,7 @@
                                           </p:stCondLst>
                                         </p:cTn>
                                         <p:tgtEl>
-                                          <p:spTgt spid="125"/>
+                                          <p:spTgt spid="126"/>
                                         </p:tgtEl>
                                         <p:attrNameLst>
                                           <p:attrName>style.visibility</p:attrName>
@@ -16433,7 +16387,7 @@
                                       <p:cBhvr>
                                         <p:cTn dur="500"/>
                                         <p:tgtEl>
-                                          <p:spTgt spid="125"/>
+                                          <p:spTgt spid="126"/>
                                         </p:tgtEl>
                                       </p:cBhvr>
                                     </p:animEffect>
@@ -16476,7 +16430,7 @@
   <p:cSld>
     <p:spTree>
       <p:nvGrpSpPr>
-        <p:cNvPr id="129" name="Shape 129"/>
+        <p:cNvPr id="130" name="Shape 130"/>
         <p:cNvGrpSpPr/>
         <p:nvPr/>
       </p:nvGrpSpPr>
@@ -16490,7 +16444,7 @@
       </p:grpSpPr>
       <p:pic>
         <p:nvPicPr>
-          <p:cNvPr descr="EscuelaIT Duoc UC - Escuela de Informática y Telecomunicaciones Duoc UC - Duoc  UC | LinkedIn" id="130" name="Google Shape;130;p5"/>
+          <p:cNvPr descr="EscuelaIT Duoc UC - Escuela de Informática y Telecomunicaciones Duoc UC - Duoc  UC | LinkedIn" id="131" name="Google Shape;131;p5"/>
           <p:cNvPicPr preferRelativeResize="0"/>
           <p:nvPr/>
         </p:nvPicPr>
@@ -16517,7 +16471,7 @@
       </p:pic>
       <p:sp>
         <p:nvSpPr>
-          <p:cNvPr id="131" name="Google Shape;131;p5"/>
+          <p:cNvPr id="132" name="Google Shape;132;p5"/>
           <p:cNvSpPr txBox="1"/>
           <p:nvPr/>
         </p:nvSpPr>
@@ -16567,7 +16521,7 @@
       </p:sp>
       <p:sp>
         <p:nvSpPr>
-          <p:cNvPr id="132" name="Google Shape;132;p5"/>
+          <p:cNvPr id="133" name="Google Shape;133;p5"/>
           <p:cNvSpPr txBox="1"/>
           <p:nvPr/>
         </p:nvSpPr>
@@ -16617,7 +16571,7 @@
       </p:sp>
       <p:cxnSp>
         <p:nvCxnSpPr>
-          <p:cNvPr id="133" name="Google Shape;133;p5"/>
+          <p:cNvPr id="134" name="Google Shape;134;p5"/>
           <p:cNvCxnSpPr/>
           <p:nvPr/>
         </p:nvCxnSpPr>
@@ -16643,7 +16597,7 @@
       </p:cxnSp>
       <p:sp>
         <p:nvSpPr>
-          <p:cNvPr id="134" name="Google Shape;134;p5"/>
+          <p:cNvPr id="135" name="Google Shape;135;p5"/>
           <p:cNvSpPr/>
           <p:nvPr/>
         </p:nvSpPr>
@@ -16742,7 +16696,7 @@
                 <a:cs typeface="Calibri"/>
                 <a:sym typeface="Calibri"/>
               </a:rPr>
-              <a:t>1-Desarrollo de una plataforma web y móvil para automatizar procesos de venta y gestión de inventario.</a:t>
+              <a:t>1-Desarrollo de una plataforma web para automatizar procesos de venta y gestión de inventario.</a:t>
             </a:r>
             <a:endParaRPr sz="1800">
               <a:solidFill>
@@ -16868,7 +16822,7 @@
       </p:sp>
       <p:sp>
         <p:nvSpPr>
-          <p:cNvPr id="135" name="Google Shape;135;p5"/>
+          <p:cNvPr id="136" name="Google Shape;136;p5"/>
           <p:cNvSpPr/>
           <p:nvPr/>
         </p:nvSpPr>
@@ -17061,7 +17015,7 @@
   <p:cSld>
     <p:spTree>
       <p:nvGrpSpPr>
-        <p:cNvPr id="139" name="Shape 139"/>
+        <p:cNvPr id="140" name="Shape 140"/>
         <p:cNvGrpSpPr/>
         <p:nvPr/>
       </p:nvGrpSpPr>
@@ -17075,7 +17029,7 @@
       </p:grpSpPr>
       <p:pic>
         <p:nvPicPr>
-          <p:cNvPr descr="EscuelaIT Duoc UC - Escuela de Informática y Telecomunicaciones Duoc UC - Duoc  UC | LinkedIn" id="140" name="Google Shape;140;p6"/>
+          <p:cNvPr descr="EscuelaIT Duoc UC - Escuela de Informática y Telecomunicaciones Duoc UC - Duoc  UC | LinkedIn" id="141" name="Google Shape;141;p6"/>
           <p:cNvPicPr preferRelativeResize="0"/>
           <p:nvPr/>
         </p:nvPicPr>
@@ -17102,7 +17056,7 @@
       </p:pic>
       <p:sp>
         <p:nvSpPr>
-          <p:cNvPr id="141" name="Google Shape;141;p6"/>
+          <p:cNvPr id="142" name="Google Shape;142;p6"/>
           <p:cNvSpPr txBox="1"/>
           <p:nvPr/>
         </p:nvSpPr>
@@ -17176,7 +17130,7 @@
       </p:sp>
       <p:sp>
         <p:nvSpPr>
-          <p:cNvPr id="142" name="Google Shape;142;p6"/>
+          <p:cNvPr id="143" name="Google Shape;143;p6"/>
           <p:cNvSpPr txBox="1"/>
           <p:nvPr/>
         </p:nvSpPr>
@@ -17234,7 +17188,7 @@
       </p:sp>
       <p:cxnSp>
         <p:nvCxnSpPr>
-          <p:cNvPr id="143" name="Google Shape;143;p6"/>
+          <p:cNvPr id="144" name="Google Shape;144;p6"/>
           <p:cNvCxnSpPr/>
           <p:nvPr/>
         </p:nvCxnSpPr>
@@ -17260,7 +17214,7 @@
       </p:cxnSp>
       <p:sp>
         <p:nvSpPr>
-          <p:cNvPr id="144" name="Google Shape;144;p6"/>
+          <p:cNvPr id="145" name="Google Shape;145;p6"/>
           <p:cNvSpPr txBox="1"/>
           <p:nvPr/>
         </p:nvSpPr>
@@ -17301,16 +17255,7 @@
               <a:buNone/>
             </a:pPr>
             <a:r>
-              <a:rPr lang="es-CL" sz="1800">
-                <a:solidFill>
-                  <a:schemeClr val="dk1"/>
-                </a:solidFill>
-                <a:latin typeface="Calibri"/>
-                <a:ea typeface="Calibri"/>
-                <a:cs typeface="Calibri"/>
-                <a:sym typeface="Calibri"/>
-              </a:rPr>
-              <a:t>Elegir Scrum como metodología fue una decisión acertada porque permite gestionar el proyecto de forma ágil, adaptándose rápidamente a las necesidades del cliente. Al trabajar en sprints, el equipo puede enfocarse en objetivos específicos, revisar avances constantemente, recibir retroalimentación y realizar ajustes de manera iterativa. Esto garantiza flexibilidad, mejora la colaboración y asegura que la solución tecnológica sea entregada con calidad y alineada a los requerimientos del cliente.</a:t>
+              <a:t/>
             </a:r>
             <a:endParaRPr sz="1800">
               <a:solidFill>
@@ -17347,6 +17292,34 @@
           </a:p>
         </p:txBody>
       </p:sp>
+      <p:pic>
+        <p:nvPicPr>
+          <p:cNvPr id="146" name="Google Shape;146;p6"/>
+          <p:cNvPicPr preferRelativeResize="0"/>
+          <p:nvPr/>
+        </p:nvPicPr>
+        <p:blipFill>
+          <a:blip r:embed="rId4">
+            <a:alphaModFix/>
+          </a:blip>
+          <a:stretch>
+            <a:fillRect/>
+          </a:stretch>
+        </p:blipFill>
+        <p:spPr>
+          <a:xfrm>
+            <a:off x="715750" y="2458050"/>
+            <a:ext cx="10721849" cy="4304701"/>
+          </a:xfrm>
+          <a:prstGeom prst="rect">
+            <a:avLst/>
+          </a:prstGeom>
+          <a:noFill/>
+          <a:ln>
+            <a:noFill/>
+          </a:ln>
+        </p:spPr>
+      </p:pic>
     </p:spTree>
   </p:cSld>
   <p:clrMapOvr>
@@ -17363,7 +17336,7 @@
   <p:cSld>
     <p:spTree>
       <p:nvGrpSpPr>
-        <p:cNvPr id="148" name="Shape 148"/>
+        <p:cNvPr id="150" name="Shape 150"/>
         <p:cNvGrpSpPr/>
         <p:nvPr/>
       </p:nvGrpSpPr>
@@ -17377,7 +17350,7 @@
       </p:grpSpPr>
       <p:pic>
         <p:nvPicPr>
-          <p:cNvPr descr="EscuelaIT Duoc UC - Escuela de Informática y Telecomunicaciones Duoc UC - Duoc  UC | LinkedIn" id="149" name="Google Shape;149;p7"/>
+          <p:cNvPr descr="EscuelaIT Duoc UC - Escuela de Informática y Telecomunicaciones Duoc UC - Duoc  UC | LinkedIn" id="151" name="Google Shape;151;p7"/>
           <p:cNvPicPr preferRelativeResize="0"/>
           <p:nvPr/>
         </p:nvPicPr>
@@ -17404,7 +17377,7 @@
       </p:pic>
       <p:sp>
         <p:nvSpPr>
-          <p:cNvPr id="150" name="Google Shape;150;p7"/>
+          <p:cNvPr id="152" name="Google Shape;152;p7"/>
           <p:cNvSpPr txBox="1"/>
           <p:nvPr/>
         </p:nvSpPr>
@@ -17478,7 +17451,7 @@
       </p:sp>
       <p:sp>
         <p:nvSpPr>
-          <p:cNvPr id="151" name="Google Shape;151;p7"/>
+          <p:cNvPr id="153" name="Google Shape;153;p7"/>
           <p:cNvSpPr txBox="1"/>
           <p:nvPr/>
         </p:nvSpPr>
@@ -17560,7 +17533,7 @@
       </p:sp>
       <p:cxnSp>
         <p:nvCxnSpPr>
-          <p:cNvPr id="152" name="Google Shape;152;p7"/>
+          <p:cNvPr id="154" name="Google Shape;154;p7"/>
           <p:cNvCxnSpPr/>
           <p:nvPr/>
         </p:nvCxnSpPr>
@@ -17586,7 +17559,7 @@
       </p:cxnSp>
       <p:pic>
         <p:nvPicPr>
-          <p:cNvPr id="153" name="Google Shape;153;p7"/>
+          <p:cNvPr id="155" name="Google Shape;155;p7"/>
           <p:cNvPicPr preferRelativeResize="0"/>
           <p:nvPr/>
         </p:nvPicPr>
@@ -17600,8 +17573,8 @@
         </p:blipFill>
         <p:spPr>
           <a:xfrm>
-            <a:off x="617363" y="2210950"/>
-            <a:ext cx="10957274" cy="3725110"/>
+            <a:off x="152400" y="2200600"/>
+            <a:ext cx="11761150" cy="4505000"/>
           </a:xfrm>
           <a:prstGeom prst="rect">
             <a:avLst/>
@@ -17628,7 +17601,7 @@
   <p:cSld>
     <p:spTree>
       <p:nvGrpSpPr>
-        <p:cNvPr id="157" name="Shape 157"/>
+        <p:cNvPr id="159" name="Shape 159"/>
         <p:cNvGrpSpPr/>
         <p:nvPr/>
       </p:nvGrpSpPr>
@@ -17642,7 +17615,7 @@
       </p:grpSpPr>
       <p:pic>
         <p:nvPicPr>
-          <p:cNvPr descr="EscuelaIT Duoc UC - Escuela de Informática y Telecomunicaciones Duoc UC - Duoc  UC | LinkedIn" id="158" name="Google Shape;158;p8"/>
+          <p:cNvPr descr="EscuelaIT Duoc UC - Escuela de Informática y Telecomunicaciones Duoc UC - Duoc  UC | LinkedIn" id="160" name="Google Shape;160;p8"/>
           <p:cNvPicPr preferRelativeResize="0"/>
           <p:nvPr/>
         </p:nvPicPr>
@@ -17669,7 +17642,7 @@
       </p:pic>
       <p:sp>
         <p:nvSpPr>
-          <p:cNvPr id="159" name="Google Shape;159;p8"/>
+          <p:cNvPr id="161" name="Google Shape;161;p8"/>
           <p:cNvSpPr txBox="1"/>
           <p:nvPr/>
         </p:nvSpPr>
@@ -17743,7 +17716,7 @@
       </p:sp>
       <p:sp>
         <p:nvSpPr>
-          <p:cNvPr id="160" name="Google Shape;160;p8"/>
+          <p:cNvPr id="162" name="Google Shape;162;p8"/>
           <p:cNvSpPr txBox="1"/>
           <p:nvPr/>
         </p:nvSpPr>
@@ -17817,7 +17790,7 @@
       </p:sp>
       <p:cxnSp>
         <p:nvCxnSpPr>
-          <p:cNvPr id="161" name="Google Shape;161;p8"/>
+          <p:cNvPr id="163" name="Google Shape;163;p8"/>
           <p:cNvCxnSpPr/>
           <p:nvPr/>
         </p:nvCxnSpPr>
@@ -17843,7 +17816,7 @@
       </p:cxnSp>
       <p:pic>
         <p:nvPicPr>
-          <p:cNvPr id="162" name="Google Shape;162;p8"/>
+          <p:cNvPr id="164" name="Google Shape;164;p8"/>
           <p:cNvPicPr preferRelativeResize="0"/>
           <p:nvPr/>
         </p:nvPicPr>
@@ -17885,7 +17858,7 @@
   <p:cSld>
     <p:spTree>
       <p:nvGrpSpPr>
-        <p:cNvPr id="166" name="Shape 166"/>
+        <p:cNvPr id="168" name="Shape 168"/>
         <p:cNvGrpSpPr/>
         <p:nvPr/>
       </p:nvGrpSpPr>
@@ -17899,7 +17872,7 @@
       </p:grpSpPr>
       <p:pic>
         <p:nvPicPr>
-          <p:cNvPr descr="EscuelaIT Duoc UC - Escuela de Informática y Telecomunicaciones Duoc UC - Duoc  UC | LinkedIn" id="167" name="Google Shape;167;p9"/>
+          <p:cNvPr descr="EscuelaIT Duoc UC - Escuela de Informática y Telecomunicaciones Duoc UC - Duoc  UC | LinkedIn" id="169" name="Google Shape;169;p9"/>
           <p:cNvPicPr preferRelativeResize="0"/>
           <p:nvPr/>
         </p:nvPicPr>
@@ -17926,7 +17899,7 @@
       </p:pic>
       <p:sp>
         <p:nvSpPr>
-          <p:cNvPr id="168" name="Google Shape;168;p9"/>
+          <p:cNvPr id="170" name="Google Shape;170;p9"/>
           <p:cNvSpPr txBox="1"/>
           <p:nvPr/>
         </p:nvSpPr>
@@ -18000,14 +17973,14 @@
       </p:sp>
       <p:sp>
         <p:nvSpPr>
-          <p:cNvPr id="169" name="Google Shape;169;p9"/>
+          <p:cNvPr id="171" name="Google Shape;171;p9"/>
           <p:cNvSpPr txBox="1"/>
           <p:nvPr/>
         </p:nvSpPr>
         <p:spPr>
           <a:xfrm>
-            <a:off x="0" y="1432655"/>
-            <a:ext cx="12191999" cy="646331"/>
+            <a:off x="0" y="777805"/>
+            <a:ext cx="12192000" cy="646500"/>
           </a:xfrm>
           <a:prstGeom prst="rect">
             <a:avLst/>
@@ -18050,7 +18023,7 @@
       </p:sp>
       <p:cxnSp>
         <p:nvCxnSpPr>
-          <p:cNvPr id="170" name="Google Shape;170;p9"/>
+          <p:cNvPr id="172" name="Google Shape;172;p9"/>
           <p:cNvCxnSpPr/>
           <p:nvPr/>
         </p:nvCxnSpPr>
@@ -18076,7 +18049,7 @@
       </p:cxnSp>
       <p:pic>
         <p:nvPicPr>
-          <p:cNvPr id="171" name="Google Shape;171;p9"/>
+          <p:cNvPr id="173" name="Google Shape;173;p9"/>
           <p:cNvPicPr preferRelativeResize="0"/>
           <p:nvPr/>
         </p:nvPicPr>
@@ -18090,8 +18063,8 @@
         </p:blipFill>
         <p:spPr>
           <a:xfrm>
-            <a:off x="1185425" y="2145836"/>
-            <a:ext cx="9821148" cy="4474215"/>
+            <a:off x="152400" y="1463850"/>
+            <a:ext cx="11761152" cy="5394150"/>
           </a:xfrm>
           <a:prstGeom prst="rect">
             <a:avLst/>
@@ -18114,6 +18087,285 @@
 </file>
 
 <file path=ppt/theme/theme1.xml><?xml version="1.0" encoding="utf-8"?>
+<a:theme xmlns:a="http://schemas.openxmlformats.org/drawingml/2006/main" xmlns:r="http://schemas.openxmlformats.org/officeDocument/2006/relationships">
+  <a:themeElements>
+    <a:clrScheme name="Default">
+      <a:dk1>
+        <a:srgbClr val="000000"/>
+      </a:dk1>
+      <a:lt1>
+        <a:srgbClr val="FFFFFF"/>
+      </a:lt1>
+      <a:dk2>
+        <a:srgbClr val="158158"/>
+      </a:dk2>
+      <a:lt2>
+        <a:srgbClr val="F3F3F3"/>
+      </a:lt2>
+      <a:accent1>
+        <a:srgbClr val="058DC7"/>
+      </a:accent1>
+      <a:accent2>
+        <a:srgbClr val="50B432"/>
+      </a:accent2>
+      <a:accent3>
+        <a:srgbClr val="ED561B"/>
+      </a:accent3>
+      <a:accent4>
+        <a:srgbClr val="EDEF00"/>
+      </a:accent4>
+      <a:accent5>
+        <a:srgbClr val="24CBE5"/>
+      </a:accent5>
+      <a:accent6>
+        <a:srgbClr val="64E572"/>
+      </a:accent6>
+      <a:hlink>
+        <a:srgbClr val="2200CC"/>
+      </a:hlink>
+      <a:folHlink>
+        <a:srgbClr val="551A8B"/>
+      </a:folHlink>
+    </a:clrScheme>
+    <a:fontScheme name="Office">
+      <a:majorFont>
+        <a:latin typeface="Arial"/>
+        <a:ea typeface=""/>
+        <a:cs typeface=""/>
+        <a:font script="Jpan" typeface="ＭＳ Ｐゴシック"/>
+        <a:font script="Hang" typeface="맑은 고딕"/>
+        <a:font script="Hans" typeface="宋体"/>
+        <a:font script="Hant" typeface="新細明體"/>
+        <a:font script="Arab" typeface="Times New Roman"/>
+        <a:font script="Hebr" typeface="Times New Roman"/>
+        <a:font script="Thai" typeface="Angsana New"/>
+        <a:font script="Ethi" typeface="Nyala"/>
+        <a:font script="Beng" typeface="Vrinda"/>
+        <a:font script="Gujr" typeface="Shruti"/>
+        <a:font script="Khmr" typeface="MoolBoran"/>
+        <a:font script="Knda" typeface="Tunga"/>
+        <a:font script="Guru" typeface="Raavi"/>
+        <a:font script="Cans" typeface="Euphemia"/>
+        <a:font script="Cher" typeface="Plantagenet Cherokee"/>
+        <a:font script="Yiii" typeface="Microsoft Yi Baiti"/>
+        <a:font script="Tibt" typeface="Microsoft Himalaya"/>
+        <a:font script="Thaa" typeface="MV Boli"/>
+        <a:font script="Deva" typeface="Mangal"/>
+        <a:font script="Telu" typeface="Gautami"/>
+        <a:font script="Taml" typeface="Latha"/>
+        <a:font script="Syrc" typeface="Estrangelo Edessa"/>
+        <a:font script="Orya" typeface="Kalinga"/>
+        <a:font script="Mlym" typeface="Kartika"/>
+        <a:font script="Laoo" typeface="DokChampa"/>
+        <a:font script="Sinh" typeface="Iskoola Pota"/>
+        <a:font script="Mong" typeface="Mongolian Baiti"/>
+        <a:font script="Viet" typeface="Times New Roman"/>
+        <a:font script="Uigh" typeface="Microsoft Uighur"/>
+        <a:font script="Geor" typeface="Sylfaen"/>
+      </a:majorFont>
+      <a:minorFont>
+        <a:latin typeface="Arial"/>
+        <a:ea typeface=""/>
+        <a:cs typeface=""/>
+        <a:font script="Jpan" typeface="ＭＳ Ｐゴシック"/>
+        <a:font script="Hang" typeface="맑은 고딕"/>
+        <a:font script="Hans" typeface="宋体"/>
+        <a:font script="Hant" typeface="新細明體"/>
+        <a:font script="Arab" typeface="Arial"/>
+        <a:font script="Hebr" typeface="Arial"/>
+        <a:font script="Thai" typeface="Cordia New"/>
+        <a:font script="Ethi" typeface="Nyala"/>
+        <a:font script="Beng" typeface="Vrinda"/>
+        <a:font script="Gujr" typeface="Shruti"/>
+        <a:font script="Khmr" typeface="DaunPenh"/>
+        <a:font script="Knda" typeface="Tunga"/>
+        <a:font script="Guru" typeface="Raavi"/>
+        <a:font script="Cans" typeface="Euphemia"/>
+        <a:font script="Cher" typeface="Plantagenet Cherokee"/>
+        <a:font script="Yiii" typeface="Microsoft Yi Baiti"/>
+        <a:font script="Tibt" typeface="Microsoft Himalaya"/>
+        <a:font script="Thaa" typeface="MV Boli"/>
+        <a:font script="Deva" typeface="Mangal"/>
+        <a:font script="Telu" typeface="Gautami"/>
+        <a:font script="Taml" typeface="Latha"/>
+        <a:font script="Syrc" typeface="Estrangelo Edessa"/>
+        <a:font script="Orya" typeface="Kalinga"/>
+        <a:font script="Mlym" typeface="Kartika"/>
+        <a:font script="Laoo" typeface="DokChampa"/>
+        <a:font script="Sinh" typeface="Iskoola Pota"/>
+        <a:font script="Mong" typeface="Mongolian Baiti"/>
+        <a:font script="Viet" typeface="Arial"/>
+        <a:font script="Uigh" typeface="Microsoft Uighur"/>
+        <a:font script="Geor" typeface="Sylfaen"/>
+      </a:minorFont>
+    </a:fontScheme>
+    <a:fmtScheme name="Office">
+      <a:fillStyleLst>
+        <a:solidFill>
+          <a:schemeClr val="phClr"/>
+        </a:solidFill>
+        <a:gradFill rotWithShape="1">
+          <a:gsLst>
+            <a:gs pos="0">
+              <a:schemeClr val="phClr">
+                <a:tint val="50000"/>
+                <a:satMod val="300000"/>
+              </a:schemeClr>
+            </a:gs>
+            <a:gs pos="35000">
+              <a:schemeClr val="phClr">
+                <a:tint val="37000"/>
+                <a:satMod val="300000"/>
+              </a:schemeClr>
+            </a:gs>
+            <a:gs pos="100000">
+              <a:schemeClr val="phClr">
+                <a:tint val="15000"/>
+                <a:satMod val="350000"/>
+              </a:schemeClr>
+            </a:gs>
+          </a:gsLst>
+          <a:lin ang="16200000" scaled="1"/>
+        </a:gradFill>
+        <a:gradFill rotWithShape="1">
+          <a:gsLst>
+            <a:gs pos="0">
+              <a:schemeClr val="phClr">
+                <a:tint val="100000"/>
+                <a:shade val="100000"/>
+                <a:satMod val="130000"/>
+              </a:schemeClr>
+            </a:gs>
+            <a:gs pos="100000">
+              <a:schemeClr val="phClr">
+                <a:tint val="50000"/>
+                <a:shade val="100000"/>
+                <a:satMod val="350000"/>
+              </a:schemeClr>
+            </a:gs>
+          </a:gsLst>
+          <a:lin ang="16200000" scaled="0"/>
+        </a:gradFill>
+      </a:fillStyleLst>
+      <a:lnStyleLst>
+        <a:ln w="9525" cap="flat" cmpd="sng" algn="ctr">
+          <a:solidFill>
+            <a:schemeClr val="phClr">
+              <a:shade val="95000"/>
+              <a:satMod val="105000"/>
+            </a:schemeClr>
+          </a:solidFill>
+          <a:prstDash val="solid"/>
+        </a:ln>
+        <a:ln w="25400" cap="flat" cmpd="sng" algn="ctr">
+          <a:solidFill>
+            <a:schemeClr val="phClr"/>
+          </a:solidFill>
+          <a:prstDash val="solid"/>
+        </a:ln>
+        <a:ln w="38100" cap="flat" cmpd="sng" algn="ctr">
+          <a:solidFill>
+            <a:schemeClr val="phClr"/>
+          </a:solidFill>
+          <a:prstDash val="solid"/>
+        </a:ln>
+      </a:lnStyleLst>
+      <a:effectStyleLst>
+        <a:effectStyle>
+          <a:effectLst>
+            <a:outerShdw blurRad="40000" dist="20000" dir="5400000" rotWithShape="0">
+              <a:srgbClr val="000000">
+                <a:alpha val="38000"/>
+              </a:srgbClr>
+            </a:outerShdw>
+          </a:effectLst>
+        </a:effectStyle>
+        <a:effectStyle>
+          <a:effectLst>
+            <a:outerShdw blurRad="40000" dist="23000" dir="5400000" rotWithShape="0">
+              <a:srgbClr val="000000">
+                <a:alpha val="35000"/>
+              </a:srgbClr>
+            </a:outerShdw>
+          </a:effectLst>
+        </a:effectStyle>
+        <a:effectStyle>
+          <a:effectLst>
+            <a:outerShdw blurRad="40000" dist="23000" dir="5400000" rotWithShape="0">
+              <a:srgbClr val="000000">
+                <a:alpha val="35000"/>
+              </a:srgbClr>
+            </a:outerShdw>
+          </a:effectLst>
+          <a:scene3d>
+            <a:camera prst="orthographicFront">
+              <a:rot lat="0" lon="0" rev="0"/>
+            </a:camera>
+            <a:lightRig rig="threePt" dir="t">
+              <a:rot lat="0" lon="0" rev="1200000"/>
+            </a:lightRig>
+          </a:scene3d>
+          <a:sp3d>
+            <a:bevelT w="63500" h="25400"/>
+          </a:sp3d>
+        </a:effectStyle>
+      </a:effectStyleLst>
+      <a:bgFillStyleLst>
+        <a:solidFill>
+          <a:schemeClr val="phClr"/>
+        </a:solidFill>
+        <a:gradFill rotWithShape="1">
+          <a:gsLst>
+            <a:gs pos="0">
+              <a:schemeClr val="phClr">
+                <a:tint val="40000"/>
+                <a:satMod val="350000"/>
+              </a:schemeClr>
+            </a:gs>
+            <a:gs pos="40000">
+              <a:schemeClr val="phClr">
+                <a:tint val="45000"/>
+                <a:shade val="99000"/>
+                <a:satMod val="350000"/>
+              </a:schemeClr>
+            </a:gs>
+            <a:gs pos="100000">
+              <a:schemeClr val="phClr">
+                <a:shade val="20000"/>
+                <a:satMod val="255000"/>
+              </a:schemeClr>
+            </a:gs>
+          </a:gsLst>
+          <a:path path="circle">
+            <a:fillToRect l="50000" t="-80000" r="50000" b="180000"/>
+          </a:path>
+        </a:gradFill>
+        <a:gradFill rotWithShape="1">
+          <a:gsLst>
+            <a:gs pos="0">
+              <a:schemeClr val="phClr">
+                <a:tint val="80000"/>
+                <a:satMod val="300000"/>
+              </a:schemeClr>
+            </a:gs>
+            <a:gs pos="100000">
+              <a:schemeClr val="phClr">
+                <a:shade val="30000"/>
+                <a:satMod val="200000"/>
+              </a:schemeClr>
+            </a:gs>
+          </a:gsLst>
+          <a:path path="circle">
+            <a:fillToRect l="50000" t="50000" r="50000" b="50000"/>
+          </a:path>
+        </a:gradFill>
+      </a:bgFillStyleLst>
+    </a:fmtScheme>
+  </a:themeElements>
+</a:theme>
+</file>
+
+<file path=ppt/theme/theme2.xml><?xml version="1.0" encoding="utf-8"?>
 <a:theme xmlns:a="http://schemas.openxmlformats.org/drawingml/2006/main" xmlns:r="http://schemas.openxmlformats.org/officeDocument/2006/relationships" name="Tema de Office">
   <a:themeElements>
     <a:clrScheme name="Office">
@@ -18390,283 +18642,4 @@
     </a:fmtScheme>
   </a:themeElements>
 </a:theme>
-</file>
-
-<file path=ppt/theme/theme2.xml><?xml version="1.0" encoding="utf-8"?>
-<a:theme xmlns:a="http://schemas.openxmlformats.org/drawingml/2006/main" xmlns:r="http://schemas.openxmlformats.org/officeDocument/2006/relationships">
-  <a:themeElements>
-    <a:clrScheme name="Default">
-      <a:dk1>
-        <a:srgbClr val="000000"/>
-      </a:dk1>
-      <a:lt1>
-        <a:srgbClr val="FFFFFF"/>
-      </a:lt1>
-      <a:dk2>
-        <a:srgbClr val="158158"/>
-      </a:dk2>
-      <a:lt2>
-        <a:srgbClr val="F3F3F3"/>
-      </a:lt2>
-      <a:accent1>
-        <a:srgbClr val="058DC7"/>
-      </a:accent1>
-      <a:accent2>
-        <a:srgbClr val="50B432"/>
-      </a:accent2>
-      <a:accent3>
-        <a:srgbClr val="ED561B"/>
-      </a:accent3>
-      <a:accent4>
-        <a:srgbClr val="EDEF00"/>
-      </a:accent4>
-      <a:accent5>
-        <a:srgbClr val="24CBE5"/>
-      </a:accent5>
-      <a:accent6>
-        <a:srgbClr val="64E572"/>
-      </a:accent6>
-      <a:hlink>
-        <a:srgbClr val="2200CC"/>
-      </a:hlink>
-      <a:folHlink>
-        <a:srgbClr val="551A8B"/>
-      </a:folHlink>
-    </a:clrScheme>
-    <a:fontScheme name="Office">
-      <a:majorFont>
-        <a:latin typeface="Arial"/>
-        <a:ea typeface=""/>
-        <a:cs typeface=""/>
-        <a:font script="Jpan" typeface="ＭＳ Ｐゴシック"/>
-        <a:font script="Hang" typeface="맑은 고딕"/>
-        <a:font script="Hans" typeface="宋体"/>
-        <a:font script="Hant" typeface="新細明體"/>
-        <a:font script="Arab" typeface="Times New Roman"/>
-        <a:font script="Hebr" typeface="Times New Roman"/>
-        <a:font script="Thai" typeface="Angsana New"/>
-        <a:font script="Ethi" typeface="Nyala"/>
-        <a:font script="Beng" typeface="Vrinda"/>
-        <a:font script="Gujr" typeface="Shruti"/>
-        <a:font script="Khmr" typeface="MoolBoran"/>
-        <a:font script="Knda" typeface="Tunga"/>
-        <a:font script="Guru" typeface="Raavi"/>
-        <a:font script="Cans" typeface="Euphemia"/>
-        <a:font script="Cher" typeface="Plantagenet Cherokee"/>
-        <a:font script="Yiii" typeface="Microsoft Yi Baiti"/>
-        <a:font script="Tibt" typeface="Microsoft Himalaya"/>
-        <a:font script="Thaa" typeface="MV Boli"/>
-        <a:font script="Deva" typeface="Mangal"/>
-        <a:font script="Telu" typeface="Gautami"/>
-        <a:font script="Taml" typeface="Latha"/>
-        <a:font script="Syrc" typeface="Estrangelo Edessa"/>
-        <a:font script="Orya" typeface="Kalinga"/>
-        <a:font script="Mlym" typeface="Kartika"/>
-        <a:font script="Laoo" typeface="DokChampa"/>
-        <a:font script="Sinh" typeface="Iskoola Pota"/>
-        <a:font script="Mong" typeface="Mongolian Baiti"/>
-        <a:font script="Viet" typeface="Times New Roman"/>
-        <a:font script="Uigh" typeface="Microsoft Uighur"/>
-        <a:font script="Geor" typeface="Sylfaen"/>
-      </a:majorFont>
-      <a:minorFont>
-        <a:latin typeface="Arial"/>
-        <a:ea typeface=""/>
-        <a:cs typeface=""/>
-        <a:font script="Jpan" typeface="ＭＳ Ｐゴシック"/>
-        <a:font script="Hang" typeface="맑은 고딕"/>
-        <a:font script="Hans" typeface="宋体"/>
-        <a:font script="Hant" typeface="新細明體"/>
-        <a:font script="Arab" typeface="Arial"/>
-        <a:font script="Hebr" typeface="Arial"/>
-        <a:font script="Thai" typeface="Cordia New"/>
-        <a:font script="Ethi" typeface="Nyala"/>
-        <a:font script="Beng" typeface="Vrinda"/>
-        <a:font script="Gujr" typeface="Shruti"/>
-        <a:font script="Khmr" typeface="DaunPenh"/>
-        <a:font script="Knda" typeface="Tunga"/>
-        <a:font script="Guru" typeface="Raavi"/>
-        <a:font script="Cans" typeface="Euphemia"/>
-        <a:font script="Cher" typeface="Plantagenet Cherokee"/>
-        <a:font script="Yiii" typeface="Microsoft Yi Baiti"/>
-        <a:font script="Tibt" typeface="Microsoft Himalaya"/>
-        <a:font script="Thaa" typeface="MV Boli"/>
-        <a:font script="Deva" typeface="Mangal"/>
-        <a:font script="Telu" typeface="Gautami"/>
-        <a:font script="Taml" typeface="Latha"/>
-        <a:font script="Syrc" typeface="Estrangelo Edessa"/>
-        <a:font script="Orya" typeface="Kalinga"/>
-        <a:font script="Mlym" typeface="Kartika"/>
-        <a:font script="Laoo" typeface="DokChampa"/>
-        <a:font script="Sinh" typeface="Iskoola Pota"/>
-        <a:font script="Mong" typeface="Mongolian Baiti"/>
-        <a:font script="Viet" typeface="Arial"/>
-        <a:font script="Uigh" typeface="Microsoft Uighur"/>
-        <a:font script="Geor" typeface="Sylfaen"/>
-      </a:minorFont>
-    </a:fontScheme>
-    <a:fmtScheme name="Office">
-      <a:fillStyleLst>
-        <a:solidFill>
-          <a:schemeClr val="phClr"/>
-        </a:solidFill>
-        <a:gradFill rotWithShape="1">
-          <a:gsLst>
-            <a:gs pos="0">
-              <a:schemeClr val="phClr">
-                <a:tint val="50000"/>
-                <a:satMod val="300000"/>
-              </a:schemeClr>
-            </a:gs>
-            <a:gs pos="35000">
-              <a:schemeClr val="phClr">
-                <a:tint val="37000"/>
-                <a:satMod val="300000"/>
-              </a:schemeClr>
-            </a:gs>
-            <a:gs pos="100000">
-              <a:schemeClr val="phClr">
-                <a:tint val="15000"/>
-                <a:satMod val="350000"/>
-              </a:schemeClr>
-            </a:gs>
-          </a:gsLst>
-          <a:lin ang="16200000" scaled="1"/>
-        </a:gradFill>
-        <a:gradFill rotWithShape="1">
-          <a:gsLst>
-            <a:gs pos="0">
-              <a:schemeClr val="phClr">
-                <a:tint val="100000"/>
-                <a:shade val="100000"/>
-                <a:satMod val="130000"/>
-              </a:schemeClr>
-            </a:gs>
-            <a:gs pos="100000">
-              <a:schemeClr val="phClr">
-                <a:tint val="50000"/>
-                <a:shade val="100000"/>
-                <a:satMod val="350000"/>
-              </a:schemeClr>
-            </a:gs>
-          </a:gsLst>
-          <a:lin ang="16200000" scaled="0"/>
-        </a:gradFill>
-      </a:fillStyleLst>
-      <a:lnStyleLst>
-        <a:ln w="9525" cap="flat" cmpd="sng" algn="ctr">
-          <a:solidFill>
-            <a:schemeClr val="phClr">
-              <a:shade val="95000"/>
-              <a:satMod val="105000"/>
-            </a:schemeClr>
-          </a:solidFill>
-          <a:prstDash val="solid"/>
-        </a:ln>
-        <a:ln w="25400" cap="flat" cmpd="sng" algn="ctr">
-          <a:solidFill>
-            <a:schemeClr val="phClr"/>
-          </a:solidFill>
-          <a:prstDash val="solid"/>
-        </a:ln>
-        <a:ln w="38100" cap="flat" cmpd="sng" algn="ctr">
-          <a:solidFill>
-            <a:schemeClr val="phClr"/>
-          </a:solidFill>
-          <a:prstDash val="solid"/>
-        </a:ln>
-      </a:lnStyleLst>
-      <a:effectStyleLst>
-        <a:effectStyle>
-          <a:effectLst>
-            <a:outerShdw blurRad="40000" dist="20000" dir="5400000" rotWithShape="0">
-              <a:srgbClr val="000000">
-                <a:alpha val="38000"/>
-              </a:srgbClr>
-            </a:outerShdw>
-          </a:effectLst>
-        </a:effectStyle>
-        <a:effectStyle>
-          <a:effectLst>
-            <a:outerShdw blurRad="40000" dist="23000" dir="5400000" rotWithShape="0">
-              <a:srgbClr val="000000">
-                <a:alpha val="35000"/>
-              </a:srgbClr>
-            </a:outerShdw>
-          </a:effectLst>
-        </a:effectStyle>
-        <a:effectStyle>
-          <a:effectLst>
-            <a:outerShdw blurRad="40000" dist="23000" dir="5400000" rotWithShape="0">
-              <a:srgbClr val="000000">
-                <a:alpha val="35000"/>
-              </a:srgbClr>
-            </a:outerShdw>
-          </a:effectLst>
-          <a:scene3d>
-            <a:camera prst="orthographicFront">
-              <a:rot lat="0" lon="0" rev="0"/>
-            </a:camera>
-            <a:lightRig rig="threePt" dir="t">
-              <a:rot lat="0" lon="0" rev="1200000"/>
-            </a:lightRig>
-          </a:scene3d>
-          <a:sp3d>
-            <a:bevelT w="63500" h="25400"/>
-          </a:sp3d>
-        </a:effectStyle>
-      </a:effectStyleLst>
-      <a:bgFillStyleLst>
-        <a:solidFill>
-          <a:schemeClr val="phClr"/>
-        </a:solidFill>
-        <a:gradFill rotWithShape="1">
-          <a:gsLst>
-            <a:gs pos="0">
-              <a:schemeClr val="phClr">
-                <a:tint val="40000"/>
-                <a:satMod val="350000"/>
-              </a:schemeClr>
-            </a:gs>
-            <a:gs pos="40000">
-              <a:schemeClr val="phClr">
-                <a:tint val="45000"/>
-                <a:shade val="99000"/>
-                <a:satMod val="350000"/>
-              </a:schemeClr>
-            </a:gs>
-            <a:gs pos="100000">
-              <a:schemeClr val="phClr">
-                <a:shade val="20000"/>
-                <a:satMod val="255000"/>
-              </a:schemeClr>
-            </a:gs>
-          </a:gsLst>
-          <a:path path="circle">
-            <a:fillToRect l="50000" t="-80000" r="50000" b="180000"/>
-          </a:path>
-        </a:gradFill>
-        <a:gradFill rotWithShape="1">
-          <a:gsLst>
-            <a:gs pos="0">
-              <a:schemeClr val="phClr">
-                <a:tint val="80000"/>
-                <a:satMod val="300000"/>
-              </a:schemeClr>
-            </a:gs>
-            <a:gs pos="100000">
-              <a:schemeClr val="phClr">
-                <a:shade val="30000"/>
-                <a:satMod val="200000"/>
-              </a:schemeClr>
-            </a:gs>
-          </a:gsLst>
-          <a:path path="circle">
-            <a:fillToRect l="50000" t="50000" r="50000" b="50000"/>
-          </a:path>
-        </a:gradFill>
-      </a:bgFillStyleLst>
-    </a:fmtScheme>
-  </a:themeElements>
-</a:theme>
 </file>